--- a/Grades.pptx
+++ b/Grades.pptx
@@ -262,7 +262,7 @@
           <a:p>
             <a:fld id="{2D8E050A-48FD-4D69-B391-BDB38AA5303D}" type="datetimeFigureOut">
               <a:rPr lang="en-GB" smtClean="0"/>
-              <a:t>28/01/2021</a:t>
+              <a:t>10/06/2021</a:t>
             </a:fld>
             <a:endParaRPr lang="en-GB"/>
           </a:p>
@@ -462,7 +462,7 @@
           <a:p>
             <a:fld id="{2D8E050A-48FD-4D69-B391-BDB38AA5303D}" type="datetimeFigureOut">
               <a:rPr lang="en-GB" smtClean="0"/>
-              <a:t>28/01/2021</a:t>
+              <a:t>10/06/2021</a:t>
             </a:fld>
             <a:endParaRPr lang="en-GB"/>
           </a:p>
@@ -672,7 +672,7 @@
           <a:p>
             <a:fld id="{2D8E050A-48FD-4D69-B391-BDB38AA5303D}" type="datetimeFigureOut">
               <a:rPr lang="en-GB" smtClean="0"/>
-              <a:t>28/01/2021</a:t>
+              <a:t>10/06/2021</a:t>
             </a:fld>
             <a:endParaRPr lang="en-GB"/>
           </a:p>
@@ -872,7 +872,7 @@
           <a:p>
             <a:fld id="{2D8E050A-48FD-4D69-B391-BDB38AA5303D}" type="datetimeFigureOut">
               <a:rPr lang="en-GB" smtClean="0"/>
-              <a:t>28/01/2021</a:t>
+              <a:t>10/06/2021</a:t>
             </a:fld>
             <a:endParaRPr lang="en-GB"/>
           </a:p>
@@ -1148,7 +1148,7 @@
           <a:p>
             <a:fld id="{2D8E050A-48FD-4D69-B391-BDB38AA5303D}" type="datetimeFigureOut">
               <a:rPr lang="en-GB" smtClean="0"/>
-              <a:t>28/01/2021</a:t>
+              <a:t>10/06/2021</a:t>
             </a:fld>
             <a:endParaRPr lang="en-GB"/>
           </a:p>
@@ -1416,7 +1416,7 @@
           <a:p>
             <a:fld id="{2D8E050A-48FD-4D69-B391-BDB38AA5303D}" type="datetimeFigureOut">
               <a:rPr lang="en-GB" smtClean="0"/>
-              <a:t>28/01/2021</a:t>
+              <a:t>10/06/2021</a:t>
             </a:fld>
             <a:endParaRPr lang="en-GB"/>
           </a:p>
@@ -1831,7 +1831,7 @@
           <a:p>
             <a:fld id="{2D8E050A-48FD-4D69-B391-BDB38AA5303D}" type="datetimeFigureOut">
               <a:rPr lang="en-GB" smtClean="0"/>
-              <a:t>28/01/2021</a:t>
+              <a:t>10/06/2021</a:t>
             </a:fld>
             <a:endParaRPr lang="en-GB"/>
           </a:p>
@@ -1973,7 +1973,7 @@
           <a:p>
             <a:fld id="{2D8E050A-48FD-4D69-B391-BDB38AA5303D}" type="datetimeFigureOut">
               <a:rPr lang="en-GB" smtClean="0"/>
-              <a:t>28/01/2021</a:t>
+              <a:t>10/06/2021</a:t>
             </a:fld>
             <a:endParaRPr lang="en-GB"/>
           </a:p>
@@ -2086,7 +2086,7 @@
           <a:p>
             <a:fld id="{2D8E050A-48FD-4D69-B391-BDB38AA5303D}" type="datetimeFigureOut">
               <a:rPr lang="en-GB" smtClean="0"/>
-              <a:t>28/01/2021</a:t>
+              <a:t>10/06/2021</a:t>
             </a:fld>
             <a:endParaRPr lang="en-GB"/>
           </a:p>
@@ -2399,7 +2399,7 @@
           <a:p>
             <a:fld id="{2D8E050A-48FD-4D69-B391-BDB38AA5303D}" type="datetimeFigureOut">
               <a:rPr lang="en-GB" smtClean="0"/>
-              <a:t>28/01/2021</a:t>
+              <a:t>10/06/2021</a:t>
             </a:fld>
             <a:endParaRPr lang="en-GB"/>
           </a:p>
@@ -2688,7 +2688,7 @@
           <a:p>
             <a:fld id="{2D8E050A-48FD-4D69-B391-BDB38AA5303D}" type="datetimeFigureOut">
               <a:rPr lang="en-GB" smtClean="0"/>
-              <a:t>28/01/2021</a:t>
+              <a:t>10/06/2021</a:t>
             </a:fld>
             <a:endParaRPr lang="en-GB"/>
           </a:p>
@@ -2931,7 +2931,7 @@
           <a:p>
             <a:fld id="{2D8E050A-48FD-4D69-B391-BDB38AA5303D}" type="datetimeFigureOut">
               <a:rPr lang="en-GB" smtClean="0"/>
-              <a:t>28/01/2021</a:t>
+              <a:t>10/06/2021</a:t>
             </a:fld>
             <a:endParaRPr lang="en-GB"/>
           </a:p>
@@ -3369,7 +3369,7 @@
             <a:avLst/>
           </a:prstGeom>
           <a:solidFill>
-            <a:srgbClr val="006837"/>
+            <a:srgbClr val="313695"/>
           </a:solidFill>
           <a:ln>
             <a:noFill/>
@@ -3419,7 +3419,7 @@
             <a:avLst/>
           </a:prstGeom>
           <a:solidFill>
-            <a:srgbClr val="1A9850"/>
+            <a:srgbClr val="4575B4"/>
           </a:solidFill>
           <a:ln>
             <a:noFill/>
@@ -3469,7 +3469,7 @@
             <a:avLst/>
           </a:prstGeom>
           <a:solidFill>
-            <a:srgbClr val="1A9850"/>
+            <a:srgbClr val="4575B4"/>
           </a:solidFill>
           <a:ln>
             <a:noFill/>
@@ -3519,7 +3519,7 @@
             <a:avLst/>
           </a:prstGeom>
           <a:solidFill>
-            <a:srgbClr val="91CF60"/>
+            <a:srgbClr val="74ADD1"/>
           </a:solidFill>
           <a:ln>
             <a:noFill/>
@@ -3569,7 +3569,7 @@
             <a:avLst/>
           </a:prstGeom>
           <a:solidFill>
-            <a:srgbClr val="91CF60"/>
+            <a:srgbClr val="ABD9E9"/>
           </a:solidFill>
           <a:ln>
             <a:noFill/>
@@ -3619,7 +3619,7 @@
             <a:avLst/>
           </a:prstGeom>
           <a:solidFill>
-            <a:srgbClr val="91CF60"/>
+            <a:srgbClr val="ABD9E9"/>
           </a:solidFill>
           <a:ln>
             <a:noFill/>
@@ -3669,7 +3669,7 @@
             <a:avLst/>
           </a:prstGeom>
           <a:solidFill>
-            <a:srgbClr val="D9EF8B"/>
+            <a:srgbClr val="E0F3F8"/>
           </a:solidFill>
           <a:ln>
             <a:noFill/>
@@ -3685,14 +3685,20 @@
             <a:r>
               <a:rPr lang="en-US" sz="11500" b="1" dirty="0">
                 <a:solidFill>
-                  <a:schemeClr val="bg1"/>
+                  <a:schemeClr val="tx1">
+                    <a:lumMod val="50000"/>
+                    <a:lumOff val="50000"/>
+                  </a:schemeClr>
                 </a:solidFill>
               </a:rPr>
               <a:t>C+</a:t>
             </a:r>
             <a:endParaRPr lang="en-GB" sz="11500" b="1" dirty="0">
               <a:solidFill>
-                <a:schemeClr val="bg1"/>
+                <a:schemeClr val="tx1">
+                  <a:lumMod val="50000"/>
+                  <a:lumOff val="50000"/>
+                </a:schemeClr>
               </a:solidFill>
             </a:endParaRPr>
           </a:p>
@@ -3719,7 +3725,7 @@
             <a:avLst/>
           </a:prstGeom>
           <a:solidFill>
-            <a:srgbClr val="D9EF8B"/>
+            <a:srgbClr val="E0F3F8"/>
           </a:solidFill>
           <a:ln>
             <a:noFill/>
@@ -3735,14 +3741,20 @@
             <a:r>
               <a:rPr lang="en-US" sz="11500" b="1" dirty="0">
                 <a:solidFill>
-                  <a:schemeClr val="bg1"/>
+                  <a:schemeClr val="tx1">
+                    <a:lumMod val="50000"/>
+                    <a:lumOff val="50000"/>
+                  </a:schemeClr>
                 </a:solidFill>
               </a:rPr>
               <a:t>C</a:t>
             </a:r>
             <a:endParaRPr lang="en-GB" sz="11500" b="1" dirty="0">
               <a:solidFill>
-                <a:schemeClr val="bg1"/>
+                <a:schemeClr val="tx1">
+                  <a:lumMod val="50000"/>
+                  <a:lumOff val="50000"/>
+                </a:schemeClr>
               </a:solidFill>
             </a:endParaRPr>
           </a:p>
@@ -3769,7 +3781,7 @@
             <a:avLst/>
           </a:prstGeom>
           <a:solidFill>
-            <a:srgbClr val="D9EF8B"/>
+            <a:srgbClr val="FFFFBF"/>
           </a:solidFill>
           <a:ln>
             <a:noFill/>
@@ -3785,14 +3797,20 @@
             <a:r>
               <a:rPr lang="en-US" sz="11500" b="1" dirty="0">
                 <a:solidFill>
-                  <a:schemeClr val="bg1"/>
+                  <a:schemeClr val="tx1">
+                    <a:lumMod val="50000"/>
+                    <a:lumOff val="50000"/>
+                  </a:schemeClr>
                 </a:solidFill>
               </a:rPr>
               <a:t>C-</a:t>
             </a:r>
             <a:endParaRPr lang="en-GB" sz="11500" b="1" dirty="0">
               <a:solidFill>
-                <a:schemeClr val="bg1"/>
+                <a:schemeClr val="tx1">
+                  <a:lumMod val="50000"/>
+                  <a:lumOff val="50000"/>
+                </a:schemeClr>
               </a:solidFill>
             </a:endParaRPr>
           </a:p>
@@ -3819,7 +3837,7 @@
             <a:avLst/>
           </a:prstGeom>
           <a:solidFill>
-            <a:srgbClr val="FEE08B"/>
+            <a:srgbClr val="FFFFBF"/>
           </a:solidFill>
           <a:ln>
             <a:noFill/>
@@ -3835,14 +3853,20 @@
             <a:r>
               <a:rPr lang="en-US" sz="11500" b="1" dirty="0">
                 <a:solidFill>
-                  <a:schemeClr val="bg1"/>
+                  <a:schemeClr val="tx1">
+                    <a:lumMod val="50000"/>
+                    <a:lumOff val="50000"/>
+                  </a:schemeClr>
                 </a:solidFill>
               </a:rPr>
               <a:t>D+</a:t>
             </a:r>
             <a:endParaRPr lang="en-GB" sz="11500" b="1" dirty="0">
               <a:solidFill>
-                <a:schemeClr val="bg1"/>
+                <a:schemeClr val="tx1">
+                  <a:lumMod val="50000"/>
+                  <a:lumOff val="50000"/>
+                </a:schemeClr>
               </a:solidFill>
             </a:endParaRPr>
           </a:p>
@@ -3869,7 +3893,7 @@
             <a:avLst/>
           </a:prstGeom>
           <a:solidFill>
-            <a:srgbClr val="FEE08B"/>
+            <a:srgbClr val="FEE090"/>
           </a:solidFill>
           <a:ln>
             <a:noFill/>
@@ -3885,14 +3909,20 @@
             <a:r>
               <a:rPr lang="en-US" sz="11500" b="1" dirty="0">
                 <a:solidFill>
-                  <a:schemeClr val="bg1"/>
+                  <a:schemeClr val="tx1">
+                    <a:lumMod val="50000"/>
+                    <a:lumOff val="50000"/>
+                  </a:schemeClr>
                 </a:solidFill>
               </a:rPr>
               <a:t>D</a:t>
             </a:r>
             <a:endParaRPr lang="en-GB" sz="11500" b="1" dirty="0">
               <a:solidFill>
-                <a:schemeClr val="bg1"/>
+                <a:schemeClr val="tx1">
+                  <a:lumMod val="50000"/>
+                  <a:lumOff val="50000"/>
+                </a:schemeClr>
               </a:solidFill>
             </a:endParaRPr>
           </a:p>
@@ -3919,7 +3949,7 @@
             <a:avLst/>
           </a:prstGeom>
           <a:solidFill>
-            <a:srgbClr val="FEE08B"/>
+            <a:srgbClr val="FEE090"/>
           </a:solidFill>
           <a:ln>
             <a:noFill/>
@@ -3935,14 +3965,20 @@
             <a:r>
               <a:rPr lang="en-US" sz="11500" b="1" dirty="0">
                 <a:solidFill>
-                  <a:schemeClr val="bg1"/>
+                  <a:schemeClr val="tx1">
+                    <a:lumMod val="50000"/>
+                    <a:lumOff val="50000"/>
+                  </a:schemeClr>
                 </a:solidFill>
               </a:rPr>
               <a:t>D-</a:t>
             </a:r>
             <a:endParaRPr lang="en-GB" sz="11500" b="1" dirty="0">
               <a:solidFill>
-                <a:schemeClr val="bg1"/>
+                <a:schemeClr val="tx1">
+                  <a:lumMod val="50000"/>
+                  <a:lumOff val="50000"/>
+                </a:schemeClr>
               </a:solidFill>
             </a:endParaRPr>
           </a:p>
@@ -3969,7 +4005,7 @@
             <a:avLst/>
           </a:prstGeom>
           <a:solidFill>
-            <a:srgbClr val="FC8D59"/>
+            <a:srgbClr val="FDAE61"/>
           </a:solidFill>
           <a:ln>
             <a:noFill/>
@@ -4019,7 +4055,7 @@
             <a:avLst/>
           </a:prstGeom>
           <a:solidFill>
-            <a:srgbClr val="FC8D59"/>
+            <a:srgbClr val="FDAE61"/>
           </a:solidFill>
           <a:ln>
             <a:noFill/>
@@ -4069,7 +4105,7 @@
             <a:avLst/>
           </a:prstGeom>
           <a:solidFill>
-            <a:srgbClr val="FC8D59"/>
+            <a:srgbClr val="F46D43"/>
           </a:solidFill>
           <a:ln>
             <a:noFill/>
